--- a/Part 1 - Week 1 - Intro to the module.pptx
+++ b/Part 1 - Week 1 - Intro to the module.pptx
@@ -6,19 +6,20 @@
     <p:sldMasterId id="2147483660" r:id="rId2"/>
   </p:sldMasterIdLst>
   <p:notesMasterIdLst>
-    <p:notesMasterId r:id="rId13"/>
+    <p:notesMasterId r:id="rId14"/>
   </p:notesMasterIdLst>
   <p:sldIdLst>
     <p:sldId id="344" r:id="rId3"/>
     <p:sldId id="257" r:id="rId4"/>
     <p:sldId id="367" r:id="rId5"/>
     <p:sldId id="345" r:id="rId6"/>
-    <p:sldId id="347" r:id="rId7"/>
-    <p:sldId id="348" r:id="rId8"/>
-    <p:sldId id="349" r:id="rId9"/>
-    <p:sldId id="350" r:id="rId10"/>
-    <p:sldId id="351" r:id="rId11"/>
-    <p:sldId id="352" r:id="rId12"/>
+    <p:sldId id="368" r:id="rId7"/>
+    <p:sldId id="347" r:id="rId8"/>
+    <p:sldId id="348" r:id="rId9"/>
+    <p:sldId id="349" r:id="rId10"/>
+    <p:sldId id="350" r:id="rId11"/>
+    <p:sldId id="351" r:id="rId12"/>
+    <p:sldId id="352" r:id="rId13"/>
   </p:sldIdLst>
   <p:sldSz cx="12192000" cy="6858000"/>
   <p:notesSz cx="6858000" cy="9144000"/>
@@ -128,7 +129,7 @@
 <file path=ppt/revisionInfo.xml><?xml version="1.0" encoding="utf-8"?>
 <p1510:revInfo xmlns:a="http://schemas.openxmlformats.org/drawingml/2006/main" xmlns:r="http://schemas.openxmlformats.org/officeDocument/2006/relationships" xmlns:p1510="http://schemas.microsoft.com/office/powerpoint/2015/10/main">
   <p1510:revLst>
-    <p1510:client id="{0A519619-113D-458A-BFFF-0AC396351854}" v="11" dt="2025-09-09T12:04:39.847"/>
+    <p1510:client id="{0A519619-113D-458A-BFFF-0AC396351854}" v="14" dt="2025-09-12T14:53:53.473"/>
   </p1510:revLst>
 </p1510:revInfo>
 </file>
@@ -138,7 +139,7 @@
   <pc:docChgLst>
     <pc:chgData name="Fatmaelzahraa Eltaher" userId="36185838-2b68-4b85-8fbe-52d97a21f537" providerId="ADAL" clId="{0A519619-113D-458A-BFFF-0AC396351854}"/>
     <pc:docChg chg="custSel addSld delSld modSld">
-      <pc:chgData name="Fatmaelzahraa Eltaher" userId="36185838-2b68-4b85-8fbe-52d97a21f537" providerId="ADAL" clId="{0A519619-113D-458A-BFFF-0AC396351854}" dt="2025-09-09T12:04:39.887" v="220" actId="27636"/>
+      <pc:chgData name="Fatmaelzahraa Eltaher" userId="36185838-2b68-4b85-8fbe-52d97a21f537" providerId="ADAL" clId="{0A519619-113D-458A-BFFF-0AC396351854}" dt="2025-09-12T14:53:53.473" v="257"/>
       <pc:docMkLst>
         <pc:docMk/>
       </pc:docMkLst>
@@ -148,22 +149,6 @@
           <pc:docMk/>
           <pc:sldMk cId="500153309" sldId="257"/>
         </pc:sldMkLst>
-        <pc:spChg chg="mod">
-          <ac:chgData name="Fatmaelzahraa Eltaher" userId="36185838-2b68-4b85-8fbe-52d97a21f537" providerId="ADAL" clId="{0A519619-113D-458A-BFFF-0AC396351854}" dt="2025-08-06T07:07:17.015" v="24"/>
-          <ac:spMkLst>
-            <pc:docMk/>
-            <pc:sldMk cId="500153309" sldId="257"/>
-            <ac:spMk id="4" creationId="{B6DA976E-F0F3-3996-07CA-E55003A3A723}"/>
-          </ac:spMkLst>
-        </pc:spChg>
-        <pc:spChg chg="mod">
-          <ac:chgData name="Fatmaelzahraa Eltaher" userId="36185838-2b68-4b85-8fbe-52d97a21f537" providerId="ADAL" clId="{0A519619-113D-458A-BFFF-0AC396351854}" dt="2025-08-06T07:07:03.994" v="22" actId="14100"/>
-          <ac:spMkLst>
-            <pc:docMk/>
-            <pc:sldMk cId="500153309" sldId="257"/>
-            <ac:spMk id="5" creationId="{951CEE54-7114-9AB4-B077-DA473BAE28B7}"/>
-          </ac:spMkLst>
-        </pc:spChg>
       </pc:sldChg>
       <pc:sldChg chg="modSp mod">
         <pc:chgData name="Fatmaelzahraa Eltaher" userId="36185838-2b68-4b85-8fbe-52d97a21f537" providerId="ADAL" clId="{0A519619-113D-458A-BFFF-0AC396351854}" dt="2025-09-08T10:52:01.374" v="215" actId="20577"/>
@@ -171,14 +156,6 @@
           <pc:docMk/>
           <pc:sldMk cId="2740838320" sldId="344"/>
         </pc:sldMkLst>
-        <pc:spChg chg="mod">
-          <ac:chgData name="Fatmaelzahraa Eltaher" userId="36185838-2b68-4b85-8fbe-52d97a21f537" providerId="ADAL" clId="{0A519619-113D-458A-BFFF-0AC396351854}" dt="2025-08-06T07:05:20.111" v="20" actId="20577"/>
-          <ac:spMkLst>
-            <pc:docMk/>
-            <pc:sldMk cId="2740838320" sldId="344"/>
-            <ac:spMk id="2" creationId="{FD0224E8-C1C3-63DB-33C9-C4A1EE8D62D6}"/>
-          </ac:spMkLst>
-        </pc:spChg>
         <pc:spChg chg="mod">
           <ac:chgData name="Fatmaelzahraa Eltaher" userId="36185838-2b68-4b85-8fbe-52d97a21f537" providerId="ADAL" clId="{0A519619-113D-458A-BFFF-0AC396351854}" dt="2025-09-08T10:52:01.374" v="215" actId="20577"/>
           <ac:spMkLst>
@@ -216,14 +193,6 @@
           <pc:docMk/>
           <pc:sldMk cId="748604116" sldId="348"/>
         </pc:sldMkLst>
-        <pc:spChg chg="mod">
-          <ac:chgData name="Fatmaelzahraa Eltaher" userId="36185838-2b68-4b85-8fbe-52d97a21f537" providerId="ADAL" clId="{0A519619-113D-458A-BFFF-0AC396351854}" dt="2025-08-06T07:30:33.651" v="41" actId="20577"/>
-          <ac:spMkLst>
-            <pc:docMk/>
-            <pc:sldMk cId="748604116" sldId="348"/>
-            <ac:spMk id="5" creationId="{951CEE54-7114-9AB4-B077-DA473BAE28B7}"/>
-          </ac:spMkLst>
-        </pc:spChg>
       </pc:sldChg>
       <pc:sldChg chg="modSp mod">
         <pc:chgData name="Fatmaelzahraa Eltaher" userId="36185838-2b68-4b85-8fbe-52d97a21f537" providerId="ADAL" clId="{0A519619-113D-458A-BFFF-0AC396351854}" dt="2025-09-05T11:09:14.849" v="204" actId="20577"/>
@@ -269,20 +238,27 @@
             <ac:spMk id="2" creationId="{F648D694-FF6A-B531-9E4C-7E1F5D28EAF6}"/>
           </ac:spMkLst>
         </pc:spChg>
-        <pc:spChg chg="del">
-          <ac:chgData name="Fatmaelzahraa Eltaher" userId="36185838-2b68-4b85-8fbe-52d97a21f537" providerId="ADAL" clId="{0A519619-113D-458A-BFFF-0AC396351854}" dt="2025-09-09T12:04:39.847" v="219"/>
+      </pc:sldChg>
+      <pc:sldChg chg="modSp new mod">
+        <pc:chgData name="Fatmaelzahraa Eltaher" userId="36185838-2b68-4b85-8fbe-52d97a21f537" providerId="ADAL" clId="{0A519619-113D-458A-BFFF-0AC396351854}" dt="2025-09-12T14:53:53.473" v="257"/>
+        <pc:sldMkLst>
+          <pc:docMk/>
+          <pc:sldMk cId="3734289140" sldId="368"/>
+        </pc:sldMkLst>
+        <pc:spChg chg="mod">
+          <ac:chgData name="Fatmaelzahraa Eltaher" userId="36185838-2b68-4b85-8fbe-52d97a21f537" providerId="ADAL" clId="{0A519619-113D-458A-BFFF-0AC396351854}" dt="2025-09-12T14:53:53.473" v="257"/>
           <ac:spMkLst>
             <pc:docMk/>
-            <pc:sldMk cId="918919925" sldId="367"/>
-            <ac:spMk id="11" creationId="{F13C74B1-5B17-4795-BED0-7140497B445A}"/>
+            <pc:sldMk cId="3734289140" sldId="368"/>
+            <ac:spMk id="2" creationId="{ED87B4AA-ECF1-22D2-E5BC-08B9153B003F}"/>
           </ac:spMkLst>
         </pc:spChg>
-        <pc:spChg chg="del">
-          <ac:chgData name="Fatmaelzahraa Eltaher" userId="36185838-2b68-4b85-8fbe-52d97a21f537" providerId="ADAL" clId="{0A519619-113D-458A-BFFF-0AC396351854}" dt="2025-09-09T12:04:39.847" v="219"/>
+        <pc:spChg chg="mod">
+          <ac:chgData name="Fatmaelzahraa Eltaher" userId="36185838-2b68-4b85-8fbe-52d97a21f537" providerId="ADAL" clId="{0A519619-113D-458A-BFFF-0AC396351854}" dt="2025-09-12T14:49:34.253" v="224" actId="5793"/>
           <ac:spMkLst>
             <pc:docMk/>
-            <pc:sldMk cId="918919925" sldId="367"/>
-            <ac:spMk id="13" creationId="{D4974D33-8DC5-464E-8C6D-BE58F0669C17}"/>
+            <pc:sldMk cId="3734289140" sldId="368"/>
+            <ac:spMk id="3" creationId="{EFA4A134-C030-7A7A-00BB-4356F95EF54A}"/>
           </ac:spMkLst>
         </pc:spChg>
       </pc:sldChg>
@@ -373,7 +349,7 @@
           <a:p>
             <a:fld id="{ECB35E1A-E603-D94E-B72D-39F697205A8A}" type="datetimeFigureOut">
               <a:rPr lang="pt-PT" smtClean="0"/>
-              <a:t>09/09/2025</a:t>
+              <a:t>12/09/2025</a:t>
             </a:fld>
             <a:endParaRPr lang="pt-PT"/>
           </a:p>
@@ -790,7 +766,7 @@
           <a:p>
             <a:fld id="{0C29A266-1292-5F4F-8255-7F4FA6493FC2}" type="datetimeFigureOut">
               <a:rPr lang="pt-PT" smtClean="0"/>
-              <a:t>09/09/2025</a:t>
+              <a:t>12/09/2025</a:t>
             </a:fld>
             <a:endParaRPr lang="pt-PT"/>
           </a:p>
@@ -990,7 +966,7 @@
           <a:p>
             <a:fld id="{0C29A266-1292-5F4F-8255-7F4FA6493FC2}" type="datetimeFigureOut">
               <a:rPr lang="pt-PT" smtClean="0"/>
-              <a:t>09/09/2025</a:t>
+              <a:t>12/09/2025</a:t>
             </a:fld>
             <a:endParaRPr lang="pt-PT"/>
           </a:p>
@@ -1200,7 +1176,7 @@
           <a:p>
             <a:fld id="{0C29A266-1292-5F4F-8255-7F4FA6493FC2}" type="datetimeFigureOut">
               <a:rPr lang="pt-PT" smtClean="0"/>
-              <a:t>09/09/2025</a:t>
+              <a:t>12/09/2025</a:t>
             </a:fld>
             <a:endParaRPr lang="pt-PT"/>
           </a:p>
@@ -1420,7 +1396,7 @@
           <a:p>
             <a:fld id="{C628F180-48E0-4AA3-9DDB-28D1E815DAD5}" type="datetime1">
               <a:rPr lang="en-GB" smtClean="0"/>
-              <a:t>09/09/2025</a:t>
+              <a:t>12/09/2025</a:t>
             </a:fld>
             <a:endParaRPr lang="en-GB"/>
           </a:p>
@@ -1679,7 +1655,7 @@
             <a:fld id="{CF8357B3-792D-45C8-A5E3-375CD2FC93EA}" type="datetime1">
               <a:rPr lang="en-GB" smtClean="0"/>
               <a:pPr/>
-              <a:t>09/09/2025</a:t>
+              <a:t>12/09/2025</a:t>
             </a:fld>
             <a:endParaRPr lang="en-GB" dirty="0"/>
           </a:p>
@@ -1865,7 +1841,7 @@
             <a:fld id="{CF8357B3-792D-45C8-A5E3-375CD2FC93EA}" type="datetime1">
               <a:rPr lang="en-GB" smtClean="0"/>
               <a:pPr/>
-              <a:t>09/09/2025</a:t>
+              <a:t>12/09/2025</a:t>
             </a:fld>
             <a:endParaRPr lang="en-GB"/>
           </a:p>
@@ -2318,7 +2294,7 @@
             <a:fld id="{53F90AE9-7E54-4C99-8887-D88AF3524E1B}" type="datetime1">
               <a:rPr lang="en-GB" smtClean="0"/>
               <a:pPr/>
-              <a:t>09/09/2025</a:t>
+              <a:t>12/09/2025</a:t>
             </a:fld>
             <a:endParaRPr lang="en-GB"/>
           </a:p>
@@ -2496,7 +2472,7 @@
           <a:p>
             <a:fld id="{53F90AE9-7E54-4C99-8887-D88AF3524E1B}" type="datetime1">
               <a:rPr lang="en-GB" smtClean="0"/>
-              <a:t>09/09/2025</a:t>
+              <a:t>12/09/2025</a:t>
             </a:fld>
             <a:endParaRPr lang="en-GB"/>
           </a:p>
@@ -2876,7 +2852,7 @@
           <a:p>
             <a:fld id="{D764A6A6-A921-4A2A-98B6-101BBB6E441B}" type="datetime1">
               <a:rPr lang="en-GB" smtClean="0"/>
-              <a:t>09/09/2025</a:t>
+              <a:t>12/09/2025</a:t>
             </a:fld>
             <a:endParaRPr lang="en-GB"/>
           </a:p>
@@ -3340,7 +3316,7 @@
           <a:p>
             <a:fld id="{B86ED810-C173-4B0E-912A-A0CE5E563277}" type="datetime1">
               <a:rPr lang="en-GB" smtClean="0"/>
-              <a:t>09/09/2025</a:t>
+              <a:t>12/09/2025</a:t>
             </a:fld>
             <a:endParaRPr lang="en-GB"/>
           </a:p>
@@ -3533,7 +3509,7 @@
           <a:p>
             <a:fld id="{ECC13B55-8FCA-4DA4-AC78-B3100A5B2594}" type="datetime1">
               <a:rPr lang="en-GB" smtClean="0"/>
-              <a:t>09/09/2025</a:t>
+              <a:t>12/09/2025</a:t>
             </a:fld>
             <a:endParaRPr lang="en-GB"/>
           </a:p>
@@ -3733,7 +3709,7 @@
           <a:p>
             <a:fld id="{0C29A266-1292-5F4F-8255-7F4FA6493FC2}" type="datetimeFigureOut">
               <a:rPr lang="pt-PT" smtClean="0"/>
-              <a:t>09/09/2025</a:t>
+              <a:t>12/09/2025</a:t>
             </a:fld>
             <a:endParaRPr lang="pt-PT"/>
           </a:p>
@@ -3846,7 +3822,7 @@
           <a:p>
             <a:fld id="{092FB2E9-2CC8-42D6-A769-E6AC2FC4FFA8}" type="datetime1">
               <a:rPr lang="en-GB" smtClean="0"/>
-              <a:t>09/09/2025</a:t>
+              <a:t>12/09/2025</a:t>
             </a:fld>
             <a:endParaRPr lang="en-GB"/>
           </a:p>
@@ -3959,7 +3935,7 @@
           <a:p>
             <a:fld id="{092FB2E9-2CC8-42D6-A769-E6AC2FC4FFA8}" type="datetime1">
               <a:rPr lang="en-GB" smtClean="0"/>
-              <a:t>09/09/2025</a:t>
+              <a:t>12/09/2025</a:t>
             </a:fld>
             <a:endParaRPr lang="en-GB"/>
           </a:p>
@@ -4121,7 +4097,7 @@
           <a:p>
             <a:fld id="{092FB2E9-2CC8-42D6-A769-E6AC2FC4FFA8}" type="datetime1">
               <a:rPr lang="en-GB" smtClean="0"/>
-              <a:t>09/09/2025</a:t>
+              <a:t>12/09/2025</a:t>
             </a:fld>
             <a:endParaRPr lang="en-GB"/>
           </a:p>
@@ -4332,7 +4308,7 @@
           <a:p>
             <a:fld id="{092FB2E9-2CC8-42D6-A769-E6AC2FC4FFA8}" type="datetime1">
               <a:rPr lang="en-GB" smtClean="0"/>
-              <a:t>09/09/2025</a:t>
+              <a:t>12/09/2025</a:t>
             </a:fld>
             <a:endParaRPr lang="en-GB"/>
           </a:p>
@@ -4494,7 +4470,7 @@
           <a:p>
             <a:fld id="{092FB2E9-2CC8-42D6-A769-E6AC2FC4FFA8}" type="datetime1">
               <a:rPr lang="en-GB" smtClean="0"/>
-              <a:t>09/09/2025</a:t>
+              <a:t>12/09/2025</a:t>
             </a:fld>
             <a:endParaRPr lang="en-GB"/>
           </a:p>
@@ -4659,7 +4635,7 @@
           <a:p>
             <a:fld id="{092FB2E9-2CC8-42D6-A769-E6AC2FC4FFA8}" type="datetime1">
               <a:rPr lang="en-GB" smtClean="0"/>
-              <a:t>09/09/2025</a:t>
+              <a:t>12/09/2025</a:t>
             </a:fld>
             <a:endParaRPr lang="en-GB"/>
           </a:p>
@@ -4876,7 +4852,7 @@
           <a:p>
             <a:fld id="{092FB2E9-2CC8-42D6-A769-E6AC2FC4FFA8}" type="datetime1">
               <a:rPr lang="en-GB" smtClean="0"/>
-              <a:t>09/09/2025</a:t>
+              <a:t>12/09/2025</a:t>
             </a:fld>
             <a:endParaRPr lang="en-GB"/>
           </a:p>
@@ -5041,7 +5017,7 @@
           <a:p>
             <a:fld id="{092FB2E9-2CC8-42D6-A769-E6AC2FC4FFA8}" type="datetime1">
               <a:rPr lang="en-GB" smtClean="0"/>
-              <a:t>09/09/2025</a:t>
+              <a:t>12/09/2025</a:t>
             </a:fld>
             <a:endParaRPr lang="en-GB"/>
           </a:p>
@@ -5206,7 +5182,7 @@
           <a:p>
             <a:fld id="{092FB2E9-2CC8-42D6-A769-E6AC2FC4FFA8}" type="datetime1">
               <a:rPr lang="en-GB" smtClean="0"/>
-              <a:t>09/09/2025</a:t>
+              <a:t>12/09/2025</a:t>
             </a:fld>
             <a:endParaRPr lang="en-GB"/>
           </a:p>
@@ -5423,7 +5399,7 @@
           <a:p>
             <a:fld id="{092FB2E9-2CC8-42D6-A769-E6AC2FC4FFA8}" type="datetime1">
               <a:rPr lang="en-GB" smtClean="0"/>
-              <a:t>09/09/2025</a:t>
+              <a:t>12/09/2025</a:t>
             </a:fld>
             <a:endParaRPr lang="en-GB"/>
           </a:p>
@@ -5751,7 +5727,7 @@
           <a:p>
             <a:fld id="{0C29A266-1292-5F4F-8255-7F4FA6493FC2}" type="datetimeFigureOut">
               <a:rPr lang="pt-PT" smtClean="0"/>
-              <a:t>09/09/2025</a:t>
+              <a:t>12/09/2025</a:t>
             </a:fld>
             <a:endParaRPr lang="pt-PT"/>
           </a:p>
@@ -5864,7 +5840,7 @@
           <a:p>
             <a:fld id="{092FB2E9-2CC8-42D6-A769-E6AC2FC4FFA8}" type="datetime1">
               <a:rPr lang="en-GB" smtClean="0"/>
-              <a:t>09/09/2025</a:t>
+              <a:t>12/09/2025</a:t>
             </a:fld>
             <a:endParaRPr lang="en-GB"/>
           </a:p>
@@ -6032,7 +6008,7 @@
           <a:p>
             <a:fld id="{092FB2E9-2CC8-42D6-A769-E6AC2FC4FFA8}" type="datetime1">
               <a:rPr lang="en-GB" smtClean="0"/>
-              <a:t>09/09/2025</a:t>
+              <a:t>12/09/2025</a:t>
             </a:fld>
             <a:endParaRPr lang="en-GB"/>
           </a:p>
@@ -6255,7 +6231,7 @@
           <a:p>
             <a:fld id="{092FB2E9-2CC8-42D6-A769-E6AC2FC4FFA8}" type="datetime1">
               <a:rPr lang="en-GB" smtClean="0"/>
-              <a:t>09/09/2025</a:t>
+              <a:t>12/09/2025</a:t>
             </a:fld>
             <a:endParaRPr lang="en-GB"/>
           </a:p>
@@ -6431,7 +6407,7 @@
           <a:p>
             <a:fld id="{092FB2E9-2CC8-42D6-A769-E6AC2FC4FFA8}" type="datetime1">
               <a:rPr lang="en-GB" smtClean="0"/>
-              <a:t>09/09/2025</a:t>
+              <a:t>12/09/2025</a:t>
             </a:fld>
             <a:endParaRPr lang="en-GB"/>
           </a:p>
@@ -6794,7 +6770,7 @@
           <a:p>
             <a:fld id="{B30BCE03-B3A4-4FF4-8428-B21A8B5011F1}" type="datetime1">
               <a:rPr lang="en-GB" smtClean="0"/>
-              <a:t>09/09/2025</a:t>
+              <a:t>12/09/2025</a:t>
             </a:fld>
             <a:endParaRPr lang="en-GB"/>
           </a:p>
@@ -7137,7 +7113,7 @@
           <a:p>
             <a:fld id="{0F8FA313-4A38-4EAD-86EB-2D8D5F57D26A}" type="datetime1">
               <a:rPr lang="en-GB" smtClean="0"/>
-              <a:t>09/09/2025</a:t>
+              <a:t>12/09/2025</a:t>
             </a:fld>
             <a:endParaRPr lang="en-GB"/>
           </a:p>
@@ -7387,7 +7363,7 @@
           <a:p>
             <a:fld id="{1474DD92-0689-46D4-9C2A-552C58686E68}" type="datetime1">
               <a:rPr lang="en-GB" smtClean="0"/>
-              <a:t>09/09/2025</a:t>
+              <a:t>12/09/2025</a:t>
             </a:fld>
             <a:endParaRPr lang="en-GB"/>
           </a:p>
@@ -7647,7 +7623,7 @@
           <a:p>
             <a:fld id="{4309FAC4-3DA8-4863-84F7-7F33571AE90B}" type="datetime1">
               <a:rPr lang="en-GB" smtClean="0"/>
-              <a:t>09/09/2025</a:t>
+              <a:t>12/09/2025</a:t>
             </a:fld>
             <a:endParaRPr lang="en-GB"/>
           </a:p>
@@ -7915,7 +7891,7 @@
           <a:p>
             <a:fld id="{0C29A266-1292-5F4F-8255-7F4FA6493FC2}" type="datetimeFigureOut">
               <a:rPr lang="pt-PT" smtClean="0"/>
-              <a:t>09/09/2025</a:t>
+              <a:t>12/09/2025</a:t>
             </a:fld>
             <a:endParaRPr lang="pt-PT"/>
           </a:p>
@@ -8330,7 +8306,7 @@
           <a:p>
             <a:fld id="{0C29A266-1292-5F4F-8255-7F4FA6493FC2}" type="datetimeFigureOut">
               <a:rPr lang="pt-PT" smtClean="0"/>
-              <a:t>09/09/2025</a:t>
+              <a:t>12/09/2025</a:t>
             </a:fld>
             <a:endParaRPr lang="pt-PT"/>
           </a:p>
@@ -8472,7 +8448,7 @@
           <a:p>
             <a:fld id="{0C29A266-1292-5F4F-8255-7F4FA6493FC2}" type="datetimeFigureOut">
               <a:rPr lang="pt-PT" smtClean="0"/>
-              <a:t>09/09/2025</a:t>
+              <a:t>12/09/2025</a:t>
             </a:fld>
             <a:endParaRPr lang="pt-PT"/>
           </a:p>
@@ -8585,7 +8561,7 @@
           <a:p>
             <a:fld id="{0C29A266-1292-5F4F-8255-7F4FA6493FC2}" type="datetimeFigureOut">
               <a:rPr lang="pt-PT" smtClean="0"/>
-              <a:t>09/09/2025</a:t>
+              <a:t>12/09/2025</a:t>
             </a:fld>
             <a:endParaRPr lang="pt-PT"/>
           </a:p>
@@ -8898,7 +8874,7 @@
           <a:p>
             <a:fld id="{0C29A266-1292-5F4F-8255-7F4FA6493FC2}" type="datetimeFigureOut">
               <a:rPr lang="pt-PT" smtClean="0"/>
-              <a:t>09/09/2025</a:t>
+              <a:t>12/09/2025</a:t>
             </a:fld>
             <a:endParaRPr lang="pt-PT"/>
           </a:p>
@@ -9187,7 +9163,7 @@
           <a:p>
             <a:fld id="{0C29A266-1292-5F4F-8255-7F4FA6493FC2}" type="datetimeFigureOut">
               <a:rPr lang="pt-PT" smtClean="0"/>
-              <a:t>09/09/2025</a:t>
+              <a:t>12/09/2025</a:t>
             </a:fld>
             <a:endParaRPr lang="pt-PT"/>
           </a:p>
@@ -9430,7 +9406,7 @@
           <a:p>
             <a:fld id="{0C29A266-1292-5F4F-8255-7F4FA6493FC2}" type="datetimeFigureOut">
               <a:rPr lang="pt-PT" smtClean="0"/>
-              <a:t>09/09/2025</a:t>
+              <a:t>12/09/2025</a:t>
             </a:fld>
             <a:endParaRPr lang="pt-PT"/>
           </a:p>
@@ -10002,7 +9978,7 @@
             <a:fld id="{A02127B0-3699-4D16-99C4-CE122436B0DA}" type="datetime1">
               <a:rPr lang="en-GB" smtClean="0"/>
               <a:pPr/>
-              <a:t>09/09/2025</a:t>
+              <a:t>12/09/2025</a:t>
             </a:fld>
             <a:endParaRPr lang="en-GB" dirty="0"/>
           </a:p>
@@ -10845,6 +10821,182 @@
           <a:p>
             <a:r>
               <a:rPr lang="en-IE" dirty="0"/>
+              <a:t>How will my learning be assessed?</a:t>
+            </a:r>
+          </a:p>
+        </p:txBody>
+      </p:sp>
+      <p:sp>
+        <p:nvSpPr>
+          <p:cNvPr id="5" name="Content Placeholder 4">
+            <a:extLst>
+              <a:ext uri="{FF2B5EF4-FFF2-40B4-BE49-F238E27FC236}">
+                <a16:creationId xmlns:a16="http://schemas.microsoft.com/office/drawing/2014/main" id="{951CEE54-7114-9AB4-B077-DA473BAE28B7}"/>
+              </a:ext>
+            </a:extLst>
+          </p:cNvPr>
+          <p:cNvSpPr>
+            <a:spLocks noGrp="1"/>
+          </p:cNvSpPr>
+          <p:nvPr>
+            <p:ph idx="1"/>
+          </p:nvPr>
+        </p:nvSpPr>
+        <p:spPr>
+          <a:xfrm>
+            <a:off x="838200" y="1825625"/>
+            <a:ext cx="10855036" cy="4351338"/>
+          </a:xfrm>
+        </p:spPr>
+        <p:txBody>
+          <a:bodyPr>
+            <a:normAutofit fontScale="92500" lnSpcReduction="20000"/>
+          </a:bodyPr>
+          <a:lstStyle/>
+          <a:p>
+            <a:pPr marL="457200" indent="-457200">
+              <a:buFont typeface="Arial" panose="020B0604020202020204" pitchFamily="34" charset="0"/>
+              <a:buChar char="•"/>
+            </a:pPr>
+            <a:r>
+              <a:rPr lang="en-US" sz="2800" dirty="0">
+                <a:latin typeface="Times" pitchFamily="2" charset="0"/>
+              </a:rPr>
+              <a:t>This module is assessed by:</a:t>
+            </a:r>
+          </a:p>
+          <a:p>
+            <a:pPr marL="914400" lvl="1" indent="-457200"/>
+            <a:r>
+              <a:rPr lang="en-US" dirty="0">
+                <a:latin typeface="Times" pitchFamily="2" charset="0"/>
+              </a:rPr>
+              <a:t>50% weighting for the examination </a:t>
+            </a:r>
+          </a:p>
+          <a:p>
+            <a:pPr marL="914400" lvl="1" indent="-457200"/>
+            <a:r>
+              <a:rPr lang="en-US" dirty="0">
+                <a:latin typeface="Times" pitchFamily="2" charset="0"/>
+              </a:rPr>
+              <a:t>50% weighting for the continuous assessment</a:t>
+            </a:r>
+          </a:p>
+          <a:p>
+            <a:pPr marL="457200" indent="-457200">
+              <a:buFont typeface="Arial" panose="020B0604020202020204" pitchFamily="34" charset="0"/>
+              <a:buChar char="•"/>
+            </a:pPr>
+            <a:r>
+              <a:rPr lang="en-US" sz="2800" dirty="0">
+                <a:latin typeface="Times" pitchFamily="2" charset="0"/>
+              </a:rPr>
+              <a:t>The continuous assessment marks will be divided over:</a:t>
+            </a:r>
+          </a:p>
+          <a:p>
+            <a:pPr marL="914400" lvl="1" indent="-457200"/>
+            <a:r>
+              <a:rPr lang="en-US" dirty="0">
+                <a:latin typeface="Times" pitchFamily="2" charset="0"/>
+              </a:rPr>
+              <a:t>6 lab assignments (4 marks each) </a:t>
+            </a:r>
+          </a:p>
+          <a:p>
+            <a:pPr marL="914400" lvl="1" indent="-457200"/>
+            <a:r>
+              <a:rPr lang="en-US" dirty="0">
+                <a:latin typeface="Times" pitchFamily="2" charset="0"/>
+              </a:rPr>
+              <a:t>Lab attendance: 8 labs × 2 marks each (Lab 1 excluded)</a:t>
+            </a:r>
+          </a:p>
+          <a:p>
+            <a:pPr marL="914400" lvl="1" indent="-457200"/>
+            <a:r>
+              <a:rPr lang="en-US" dirty="0">
+                <a:latin typeface="Times" pitchFamily="2" charset="0"/>
+              </a:rPr>
+              <a:t>2 lab tests in weeks 6 and 10 (5 marks each)</a:t>
+            </a:r>
+          </a:p>
+          <a:p>
+            <a:pPr marL="457200" indent="-457200">
+              <a:buFont typeface="Arial" panose="020B0604020202020204" pitchFamily="34" charset="0"/>
+              <a:buChar char="•"/>
+            </a:pPr>
+            <a:endParaRPr lang="en-US" sz="2800" dirty="0">
+              <a:latin typeface="Times" pitchFamily="2" charset="0"/>
+            </a:endParaRPr>
+          </a:p>
+          <a:p>
+            <a:pPr marL="457200" indent="-457200">
+              <a:buFont typeface="Arial" panose="020B0604020202020204" pitchFamily="34" charset="0"/>
+              <a:buChar char="•"/>
+            </a:pPr>
+            <a:endParaRPr lang="en-US" sz="2800" dirty="0">
+              <a:latin typeface="Times" pitchFamily="2" charset="0"/>
+            </a:endParaRPr>
+          </a:p>
+        </p:txBody>
+      </p:sp>
+    </p:spTree>
+    <p:extLst>
+      <p:ext uri="{BB962C8B-B14F-4D97-AF65-F5344CB8AC3E}">
+        <p14:creationId xmlns:p14="http://schemas.microsoft.com/office/powerpoint/2010/main" val="2610821885"/>
+      </p:ext>
+    </p:extLst>
+  </p:cSld>
+  <p:clrMapOvr>
+    <a:masterClrMapping/>
+  </p:clrMapOvr>
+</p:sld>
+</file>
+
+<file path=ppt/slides/slide11.xml><?xml version="1.0" encoding="utf-8"?>
+<p:sld xmlns:a="http://schemas.openxmlformats.org/drawingml/2006/main" xmlns:r="http://schemas.openxmlformats.org/officeDocument/2006/relationships" xmlns:p="http://schemas.openxmlformats.org/presentationml/2006/main">
+  <p:cSld>
+    <p:spTree>
+      <p:nvGrpSpPr>
+        <p:cNvPr id="1" name=""/>
+        <p:cNvGrpSpPr/>
+        <p:nvPr/>
+      </p:nvGrpSpPr>
+      <p:grpSpPr>
+        <a:xfrm>
+          <a:off x="0" y="0"/>
+          <a:ext cx="0" cy="0"/>
+          <a:chOff x="0" y="0"/>
+          <a:chExt cx="0" cy="0"/>
+        </a:xfrm>
+      </p:grpSpPr>
+      <p:sp>
+        <p:nvSpPr>
+          <p:cNvPr id="4" name="Title 3">
+            <a:extLst>
+              <a:ext uri="{FF2B5EF4-FFF2-40B4-BE49-F238E27FC236}">
+                <a16:creationId xmlns:a16="http://schemas.microsoft.com/office/drawing/2014/main" id="{B6DA976E-F0F3-3996-07CA-E55003A3A723}"/>
+              </a:ext>
+            </a:extLst>
+          </p:cNvPr>
+          <p:cNvSpPr>
+            <a:spLocks noGrp="1"/>
+          </p:cNvSpPr>
+          <p:nvPr>
+            <p:ph type="title"/>
+          </p:nvPr>
+        </p:nvSpPr>
+        <p:spPr/>
+        <p:txBody>
+          <a:bodyPr>
+            <a:normAutofit/>
+          </a:bodyPr>
+          <a:lstStyle/>
+          <a:p>
+            <a:r>
+              <a:rPr lang="en-IE" dirty="0"/>
               <a:t>How will the labs work?</a:t>
             </a:r>
           </a:p>
@@ -11641,10 +11793,10 @@
       </p:grpSpPr>
       <p:sp>
         <p:nvSpPr>
-          <p:cNvPr id="4" name="Title 3">
-            <a:extLst>
-              <a:ext uri="{FF2B5EF4-FFF2-40B4-BE49-F238E27FC236}">
-                <a16:creationId xmlns:a16="http://schemas.microsoft.com/office/drawing/2014/main" id="{B6DA976E-F0F3-3996-07CA-E55003A3A723}"/>
+          <p:cNvPr id="2" name="Title 1">
+            <a:extLst>
+              <a:ext uri="{FF2B5EF4-FFF2-40B4-BE49-F238E27FC236}">
+                <a16:creationId xmlns:a16="http://schemas.microsoft.com/office/drawing/2014/main" id="{ED87B4AA-ECF1-22D2-E5BC-08B9153B003F}"/>
               </a:ext>
             </a:extLst>
           </p:cNvPr>
@@ -11657,24 +11809,23 @@
         </p:nvSpPr>
         <p:spPr/>
         <p:txBody>
-          <a:bodyPr>
-            <a:normAutofit/>
-          </a:bodyPr>
-          <a:lstStyle/>
-          <a:p>
-            <a:r>
-              <a:rPr lang="en-IE" dirty="0"/>
-              <a:t>What we are going to learn?</a:t>
-            </a:r>
-          </a:p>
-        </p:txBody>
-      </p:sp>
-      <p:sp>
-        <p:nvSpPr>
-          <p:cNvPr id="5" name="Content Placeholder 4">
-            <a:extLst>
-              <a:ext uri="{FF2B5EF4-FFF2-40B4-BE49-F238E27FC236}">
-                <a16:creationId xmlns:a16="http://schemas.microsoft.com/office/drawing/2014/main" id="{951CEE54-7114-9AB4-B077-DA473BAE28B7}"/>
+          <a:bodyPr/>
+          <a:lstStyle/>
+          <a:p>
+            <a:r>
+              <a:rPr lang="en-IE"/>
+              <a:t>Alternative Option</a:t>
+            </a:r>
+            <a:endParaRPr lang="en-IE" dirty="0"/>
+          </a:p>
+        </p:txBody>
+      </p:sp>
+      <p:sp>
+        <p:nvSpPr>
+          <p:cNvPr id="3" name="Content Placeholder 2">
+            <a:extLst>
+              <a:ext uri="{FF2B5EF4-FFF2-40B4-BE49-F238E27FC236}">
+                <a16:creationId xmlns:a16="http://schemas.microsoft.com/office/drawing/2014/main" id="{EFA4A134-C030-7A7A-00BB-4356F95EF54A}"/>
               </a:ext>
             </a:extLst>
           </p:cNvPr>
@@ -11685,89 +11836,61 @@
             <p:ph idx="1"/>
           </p:nvPr>
         </p:nvSpPr>
-        <p:spPr>
-          <a:xfrm>
-            <a:off x="838200" y="1825625"/>
-            <a:ext cx="10855036" cy="4351338"/>
-          </a:xfrm>
-        </p:spPr>
-        <p:txBody>
-          <a:bodyPr>
-            <a:normAutofit/>
-          </a:bodyPr>
-          <a:lstStyle/>
-          <a:p>
-            <a:pPr marL="457200" indent="-457200"/>
-            <a:r>
-              <a:rPr lang="en-US" dirty="0">
-                <a:latin typeface="Times" pitchFamily="2" charset="0"/>
+        <p:spPr/>
+        <p:txBody>
+          <a:bodyPr/>
+          <a:lstStyle/>
+          <a:p>
+            <a:pPr marL="0" indent="0">
+              <a:buNone/>
+            </a:pPr>
+            <a:r>
+              <a:rPr lang="en-IE" dirty="0">
+                <a:hlinkClick r:id="rId2"/>
               </a:rPr>
-              <a:t>We’ll learn how to </a:t>
-            </a:r>
-            <a:r>
-              <a:rPr lang="en-US" b="1" dirty="0">
-                <a:latin typeface="Times" pitchFamily="2" charset="0"/>
-              </a:rPr>
-              <a:t>design</a:t>
-            </a:r>
-            <a:r>
-              <a:rPr lang="en-US" dirty="0">
-                <a:latin typeface="Times" pitchFamily="2" charset="0"/>
-              </a:rPr>
-              <a:t> websites.</a:t>
-            </a:r>
-          </a:p>
-          <a:p>
-            <a:pPr marL="457200" indent="-457200"/>
-            <a:endParaRPr lang="en-US" dirty="0">
-              <a:latin typeface="Times" pitchFamily="2" charset="0"/>
-            </a:endParaRPr>
-          </a:p>
-          <a:p>
-            <a:pPr marL="457200" indent="-457200"/>
-            <a:r>
-              <a:rPr lang="en-US" dirty="0">
-                <a:latin typeface="Times" pitchFamily="2" charset="0"/>
-              </a:rPr>
-              <a:t>You’ll understand how HTML, CSS, and JavaScript work.</a:t>
-            </a:r>
-          </a:p>
-          <a:p>
-            <a:pPr marL="457200" indent="-457200"/>
-            <a:endParaRPr lang="en-US" dirty="0">
-              <a:latin typeface="Times" pitchFamily="2" charset="0"/>
-            </a:endParaRPr>
-          </a:p>
-          <a:p>
-            <a:pPr marL="457200" indent="-457200"/>
-            <a:r>
-              <a:rPr lang="en-US" dirty="0">
-                <a:latin typeface="Times" pitchFamily="2" charset="0"/>
-              </a:rPr>
-              <a:t>We’ll build </a:t>
-            </a:r>
-            <a:r>
-              <a:rPr lang="en-US" b="1" dirty="0">
-                <a:latin typeface="Times" pitchFamily="2" charset="0"/>
-              </a:rPr>
-              <a:t>interactive</a:t>
-            </a:r>
-            <a:r>
-              <a:rPr lang="en-US" dirty="0">
-                <a:latin typeface="Times" pitchFamily="2" charset="0"/>
-              </a:rPr>
-              <a:t> pages.</a:t>
-            </a:r>
-            <a:endParaRPr lang="en-US" sz="2800" dirty="0">
-              <a:latin typeface="Times" pitchFamily="2" charset="0"/>
-            </a:endParaRPr>
+              <a:t>https://github.com/fatmaelther/Web-Development</a:t>
+            </a:r>
+            <a:endParaRPr lang="en-IE" dirty="0"/>
+          </a:p>
+          <a:p>
+            <a:endParaRPr lang="en-IE" dirty="0"/>
+          </a:p>
+        </p:txBody>
+      </p:sp>
+      <p:sp>
+        <p:nvSpPr>
+          <p:cNvPr id="4" name="Slide Number Placeholder 3">
+            <a:extLst>
+              <a:ext uri="{FF2B5EF4-FFF2-40B4-BE49-F238E27FC236}">
+                <a16:creationId xmlns:a16="http://schemas.microsoft.com/office/drawing/2014/main" id="{E54AD3DF-1B5A-951F-087C-C7264E647F80}"/>
+              </a:ext>
+            </a:extLst>
+          </p:cNvPr>
+          <p:cNvSpPr>
+            <a:spLocks noGrp="1"/>
+          </p:cNvSpPr>
+          <p:nvPr>
+            <p:ph type="sldNum" sz="quarter" idx="12"/>
+          </p:nvPr>
+        </p:nvSpPr>
+        <p:spPr/>
+        <p:txBody>
+          <a:bodyPr/>
+          <a:lstStyle/>
+          <a:p>
+            <a:fld id="{1AE971F0-0CD2-4C47-8087-EBCE9716EA84}" type="slidenum">
+              <a:rPr lang="en-GB" smtClean="0"/>
+              <a:pPr/>
+              <a:t>5</a:t>
+            </a:fld>
+            <a:endParaRPr lang="en-GB" dirty="0"/>
           </a:p>
         </p:txBody>
       </p:sp>
     </p:spTree>
     <p:extLst>
       <p:ext uri="{BB962C8B-B14F-4D97-AF65-F5344CB8AC3E}">
-        <p14:creationId xmlns:p14="http://schemas.microsoft.com/office/powerpoint/2010/main" val="717426269"/>
+        <p14:creationId xmlns:p14="http://schemas.microsoft.com/office/powerpoint/2010/main" val="3734289140"/>
       </p:ext>
     </p:extLst>
   </p:cSld>
@@ -11819,7 +11942,7 @@
           <a:p>
             <a:r>
               <a:rPr lang="en-IE" dirty="0"/>
-              <a:t>Learning outcomes</a:t>
+              <a:t>What we are going to learn?</a:t>
             </a:r>
           </a:p>
         </p:txBody>
@@ -11852,44 +11975,77 @@
           </a:bodyPr>
           <a:lstStyle/>
           <a:p>
-            <a:pPr marL="457200" indent="-457200">
-              <a:buFont typeface="Arial" panose="020B0604020202020204" pitchFamily="34" charset="0"/>
-              <a:buChar char="•"/>
-            </a:pPr>
-            <a:r>
-              <a:rPr lang="en-US" sz="2800" dirty="0">
-                <a:latin typeface="Times" pitchFamily="2" charset="0"/>
-              </a:rPr>
-              <a:t>Describe the underlying architecture of the World-Wide-Web</a:t>
-            </a:r>
-          </a:p>
-          <a:p>
-            <a:pPr marL="457200" indent="-457200">
-              <a:buFont typeface="Arial" panose="020B0604020202020204" pitchFamily="34" charset="0"/>
-              <a:buChar char="•"/>
-            </a:pPr>
-            <a:r>
-              <a:rPr lang="en-US" sz="2800" dirty="0">
-                <a:latin typeface="Times" pitchFamily="2" charset="0"/>
-              </a:rPr>
-              <a:t>Describe and employ effective design approaches when building web resources.</a:t>
-            </a:r>
-          </a:p>
-          <a:p>
             <a:pPr marL="457200" indent="-457200"/>
             <a:r>
               <a:rPr lang="en-US" dirty="0">
                 <a:latin typeface="Times" pitchFamily="2" charset="0"/>
               </a:rPr>
-              <a:t>Evaluate websites according to well-known criteria for effective web design.</a:t>
-            </a:r>
+              <a:t>We’ll learn how to </a:t>
+            </a:r>
+            <a:r>
+              <a:rPr lang="en-US" b="1" dirty="0">
+                <a:latin typeface="Times" pitchFamily="2" charset="0"/>
+              </a:rPr>
+              <a:t>design</a:t>
+            </a:r>
+            <a:r>
+              <a:rPr lang="en-US" dirty="0">
+                <a:latin typeface="Times" pitchFamily="2" charset="0"/>
+              </a:rPr>
+              <a:t> websites.</a:t>
+            </a:r>
+          </a:p>
+          <a:p>
+            <a:pPr marL="457200" indent="-457200"/>
+            <a:endParaRPr lang="en-US" dirty="0">
+              <a:latin typeface="Times" pitchFamily="2" charset="0"/>
+            </a:endParaRPr>
+          </a:p>
+          <a:p>
+            <a:pPr marL="457200" indent="-457200"/>
+            <a:r>
+              <a:rPr lang="en-US" dirty="0">
+                <a:latin typeface="Times" pitchFamily="2" charset="0"/>
+              </a:rPr>
+              <a:t>You’ll understand how HTML, CSS, and JavaScript work.</a:t>
+            </a:r>
+          </a:p>
+          <a:p>
+            <a:pPr marL="457200" indent="-457200"/>
+            <a:endParaRPr lang="en-US" dirty="0">
+              <a:latin typeface="Times" pitchFamily="2" charset="0"/>
+            </a:endParaRPr>
+          </a:p>
+          <a:p>
+            <a:pPr marL="457200" indent="-457200"/>
+            <a:r>
+              <a:rPr lang="en-US" dirty="0">
+                <a:latin typeface="Times" pitchFamily="2" charset="0"/>
+              </a:rPr>
+              <a:t>We’ll build </a:t>
+            </a:r>
+            <a:r>
+              <a:rPr lang="en-US" b="1" dirty="0">
+                <a:latin typeface="Times" pitchFamily="2" charset="0"/>
+              </a:rPr>
+              <a:t>interactive</a:t>
+            </a:r>
+            <a:r>
+              <a:rPr lang="en-US" dirty="0">
+                <a:latin typeface="Times" pitchFamily="2" charset="0"/>
+              </a:rPr>
+              <a:t> pages.</a:t>
+            </a:r>
+            <a:endParaRPr lang="en-US" sz="2800" dirty="0">
+              <a:latin typeface="Times" pitchFamily="2" charset="0"/>
+            </a:endParaRPr>
           </a:p>
         </p:txBody>
       </p:sp>
     </p:spTree>
     <p:extLst>
       <p:ext uri="{BB962C8B-B14F-4D97-AF65-F5344CB8AC3E}">
-        <p14:creationId xmlns:p14="http://schemas.microsoft.com/office/powerpoint/2010/main" val="748604116"/>
+        <p14:creationId xmlns:p14="http://schemas.microsoft.com/office/powerpoint/2010/main" val="717426269"/>
       </p:ext>
     </p:extLst>
   </p:cSld>
@@ -11982,7 +12138,7 @@
               <a:rPr lang="en-US" sz="2800" dirty="0">
                 <a:latin typeface="Times" pitchFamily="2" charset="0"/>
               </a:rPr>
-              <a:t>Implement web pages using HTML5, CSS3 and JavaScript</a:t>
+              <a:t>Describe the underlying architecture of the World-Wide-Web</a:t>
             </a:r>
           </a:p>
           <a:p>
@@ -11994,24 +12150,24 @@
               <a:rPr lang="en-US" sz="2800" dirty="0">
                 <a:latin typeface="Times" pitchFamily="2" charset="0"/>
               </a:rPr>
-              <a:t>Generate web content dynamically and interact with users of web resources using a client-side scripting language such as JavaScript.</a:t>
-            </a:r>
-          </a:p>
-          <a:p>
-            <a:pPr marL="457200" indent="-457200">
-              <a:buFont typeface="Arial" panose="020B0604020202020204" pitchFamily="34" charset="0"/>
-              <a:buChar char="•"/>
-            </a:pPr>
-            <a:endParaRPr lang="en-US" sz="2800" dirty="0">
-              <a:latin typeface="Times" pitchFamily="2" charset="0"/>
-            </a:endParaRPr>
+              <a:t>Describe and employ effective design approaches when building web resources.</a:t>
+            </a:r>
+          </a:p>
+          <a:p>
+            <a:pPr marL="457200" indent="-457200"/>
+            <a:r>
+              <a:rPr lang="en-US" dirty="0">
+                <a:latin typeface="Times" pitchFamily="2" charset="0"/>
+              </a:rPr>
+              <a:t>Evaluate websites according to well-known criteria for effective web design.</a:t>
+            </a:r>
           </a:p>
         </p:txBody>
       </p:sp>
     </p:spTree>
     <p:extLst>
       <p:ext uri="{BB962C8B-B14F-4D97-AF65-F5344CB8AC3E}">
-        <p14:creationId xmlns:p14="http://schemas.microsoft.com/office/powerpoint/2010/main" val="1897548941"/>
+        <p14:creationId xmlns:p14="http://schemas.microsoft.com/office/powerpoint/2010/main" val="748604116"/>
       </p:ext>
     </p:extLst>
   </p:cSld>
@@ -12063,7 +12219,7 @@
           <a:p>
             <a:r>
               <a:rPr lang="en-IE" dirty="0"/>
-              <a:t>Learning approach</a:t>
+              <a:t>Learning outcomes</a:t>
             </a:r>
           </a:p>
         </p:txBody>
@@ -12104,7 +12260,7 @@
               <a:rPr lang="en-US" sz="2800" dirty="0">
                 <a:latin typeface="Times" pitchFamily="2" charset="0"/>
               </a:rPr>
-              <a:t>The most effective way to learn web technology is to implement systems using those technologies.</a:t>
+              <a:t>Implement web pages using HTML5, CSS3 and JavaScript</a:t>
             </a:r>
           </a:p>
           <a:p>
@@ -12116,19 +12272,7 @@
               <a:rPr lang="en-US" sz="2800" dirty="0">
                 <a:latin typeface="Times" pitchFamily="2" charset="0"/>
               </a:rPr>
-              <a:t>Lecture time will be used to provide a high-level explanation of a given technology, with some of its more powerful aspects treated in detail.</a:t>
-            </a:r>
-          </a:p>
-          <a:p>
-            <a:pPr marL="457200" indent="-457200">
-              <a:buFont typeface="Arial" panose="020B0604020202020204" pitchFamily="34" charset="0"/>
-              <a:buChar char="•"/>
-            </a:pPr>
-            <a:r>
-              <a:rPr lang="en-US" sz="2800" dirty="0">
-                <a:latin typeface="Times" pitchFamily="2" charset="0"/>
-              </a:rPr>
-              <a:t>Focus is placed on empowering the students to develop their skills independently of the presence of a tutor or lecturer.</a:t>
+              <a:t>Generate web content dynamically and interact with users of web resources using a client-side scripting language such as JavaScript.</a:t>
             </a:r>
           </a:p>
           <a:p>
@@ -12140,21 +12284,12 @@
               <a:latin typeface="Times" pitchFamily="2" charset="0"/>
             </a:endParaRPr>
           </a:p>
-          <a:p>
-            <a:pPr marL="457200" indent="-457200">
-              <a:buFont typeface="Arial" panose="020B0604020202020204" pitchFamily="34" charset="0"/>
-              <a:buChar char="•"/>
-            </a:pPr>
-            <a:endParaRPr lang="en-US" sz="2800" dirty="0">
-              <a:latin typeface="Times" pitchFamily="2" charset="0"/>
-            </a:endParaRPr>
-          </a:p>
         </p:txBody>
       </p:sp>
     </p:spTree>
     <p:extLst>
       <p:ext uri="{BB962C8B-B14F-4D97-AF65-F5344CB8AC3E}">
-        <p14:creationId xmlns:p14="http://schemas.microsoft.com/office/powerpoint/2010/main" val="775660223"/>
+        <p14:creationId xmlns:p14="http://schemas.microsoft.com/office/powerpoint/2010/main" val="1897548941"/>
       </p:ext>
     </p:extLst>
   </p:cSld>
@@ -12206,7 +12341,7 @@
           <a:p>
             <a:r>
               <a:rPr lang="en-IE" dirty="0"/>
-              <a:t>How will my learning be assessed?</a:t>
+              <a:t>Learning approach</a:t>
             </a:r>
           </a:p>
         </p:txBody>
@@ -12235,7 +12370,7 @@
         </p:spPr>
         <p:txBody>
           <a:bodyPr>
-            <a:normAutofit fontScale="92500" lnSpcReduction="20000"/>
+            <a:normAutofit/>
           </a:bodyPr>
           <a:lstStyle/>
           <a:p>
@@ -12247,25 +12382,7 @@
               <a:rPr lang="en-US" sz="2800" dirty="0">
                 <a:latin typeface="Times" pitchFamily="2" charset="0"/>
               </a:rPr>
-              <a:t>This module is assessed by:</a:t>
-            </a:r>
-          </a:p>
-          <a:p>
-            <a:pPr marL="914400" lvl="1" indent="-457200"/>
-            <a:r>
-              <a:rPr lang="en-US" dirty="0">
-                <a:latin typeface="Times" pitchFamily="2" charset="0"/>
-              </a:rPr>
-              <a:t>50% weighting for the examination </a:t>
-            </a:r>
-          </a:p>
-          <a:p>
-            <a:pPr marL="914400" lvl="1" indent="-457200"/>
-            <a:r>
-              <a:rPr lang="en-US" dirty="0">
-                <a:latin typeface="Times" pitchFamily="2" charset="0"/>
-              </a:rPr>
-              <a:t>50% weighting for the continuous assessment</a:t>
+              <a:t>The most effective way to learn web technology is to implement systems using those technologies.</a:t>
             </a:r>
           </a:p>
           <a:p>
@@ -12277,34 +12394,19 @@
               <a:rPr lang="en-US" sz="2800" dirty="0">
                 <a:latin typeface="Times" pitchFamily="2" charset="0"/>
               </a:rPr>
-              <a:t>The continuous assessment marks will be divided over:</a:t>
-            </a:r>
-          </a:p>
-          <a:p>
-            <a:pPr marL="914400" lvl="1" indent="-457200"/>
-            <a:r>
-              <a:rPr lang="en-US" dirty="0">
+              <a:t>Lecture time will be used to provide a high-level explanation of a given technology, with some of its more powerful aspects treated in detail.</a:t>
+            </a:r>
+          </a:p>
+          <a:p>
+            <a:pPr marL="457200" indent="-457200">
+              <a:buFont typeface="Arial" panose="020B0604020202020204" pitchFamily="34" charset="0"/>
+              <a:buChar char="•"/>
+            </a:pPr>
+            <a:r>
+              <a:rPr lang="en-US" sz="2800" dirty="0">
                 <a:latin typeface="Times" pitchFamily="2" charset="0"/>
               </a:rPr>
-              <a:t>6 lab assignments (4 marks each) </a:t>
-            </a:r>
-          </a:p>
-          <a:p>
-            <a:pPr marL="914400" lvl="1" indent="-457200"/>
-            <a:r>
-              <a:rPr lang="en-US" dirty="0">
-                <a:latin typeface="Times" pitchFamily="2" charset="0"/>
-              </a:rPr>
-              <a:t>Lab attendance: 8 labs × 2 marks each (Lab 1 excluded)</a:t>
-            </a:r>
-          </a:p>
-          <a:p>
-            <a:pPr marL="914400" lvl="1" indent="-457200"/>
-            <a:r>
-              <a:rPr lang="en-US" dirty="0">
-                <a:latin typeface="Times" pitchFamily="2" charset="0"/>
-              </a:rPr>
-              <a:t>2 lab tests in weeks 6 and 10 (5 marks each)</a:t>
+              <a:t>Focus is placed on empowering the students to develop their skills independently of the presence of a tutor or lecturer.</a:t>
             </a:r>
           </a:p>
           <a:p>
@@ -12330,7 +12432,7 @@
     </p:spTree>
     <p:extLst>
       <p:ext uri="{BB962C8B-B14F-4D97-AF65-F5344CB8AC3E}">
-        <p14:creationId xmlns:p14="http://schemas.microsoft.com/office/powerpoint/2010/main" val="2610821885"/>
+        <p14:creationId xmlns:p14="http://schemas.microsoft.com/office/powerpoint/2010/main" val="775660223"/>
       </p:ext>
     </p:extLst>
   </p:cSld>
